--- a/WpfControlTestbench.pptx
+++ b/WpfControlTestbench.pptx
@@ -292,7 +292,7 @@
             <a:fld id="{1D8BD707-D9CF-40AE-B4C6-C98DA3205C09}" type="datetimeFigureOut">
               <a:rPr lang="en-US" smtClean="0"/>
               <a:pPr/>
-              <a:t>8/12/2014</a:t>
+              <a:t>2/27/2022</a:t>
             </a:fld>
             <a:endParaRPr lang="en-US"/>
           </a:p>
@@ -459,7 +459,7 @@
             <a:fld id="{1D8BD707-D9CF-40AE-B4C6-C98DA3205C09}" type="datetimeFigureOut">
               <a:rPr lang="en-US" smtClean="0"/>
               <a:pPr/>
-              <a:t>8/12/2014</a:t>
+              <a:t>2/27/2022</a:t>
             </a:fld>
             <a:endParaRPr lang="en-US"/>
           </a:p>
@@ -636,7 +636,7 @@
             <a:fld id="{1D8BD707-D9CF-40AE-B4C6-C98DA3205C09}" type="datetimeFigureOut">
               <a:rPr lang="en-US" smtClean="0"/>
               <a:pPr/>
-              <a:t>8/12/2014</a:t>
+              <a:t>2/27/2022</a:t>
             </a:fld>
             <a:endParaRPr lang="en-US"/>
           </a:p>
@@ -803,7 +803,7 @@
             <a:fld id="{1D8BD707-D9CF-40AE-B4C6-C98DA3205C09}" type="datetimeFigureOut">
               <a:rPr lang="en-US" smtClean="0"/>
               <a:pPr/>
-              <a:t>8/12/2014</a:t>
+              <a:t>2/27/2022</a:t>
             </a:fld>
             <a:endParaRPr lang="en-US"/>
           </a:p>
@@ -1046,7 +1046,7 @@
             <a:fld id="{1D8BD707-D9CF-40AE-B4C6-C98DA3205C09}" type="datetimeFigureOut">
               <a:rPr lang="en-US" smtClean="0"/>
               <a:pPr/>
-              <a:t>8/12/2014</a:t>
+              <a:t>2/27/2022</a:t>
             </a:fld>
             <a:endParaRPr lang="en-US"/>
           </a:p>
@@ -1331,7 +1331,7 @@
             <a:fld id="{1D8BD707-D9CF-40AE-B4C6-C98DA3205C09}" type="datetimeFigureOut">
               <a:rPr lang="en-US" smtClean="0"/>
               <a:pPr/>
-              <a:t>8/12/2014</a:t>
+              <a:t>2/27/2022</a:t>
             </a:fld>
             <a:endParaRPr lang="en-US"/>
           </a:p>
@@ -1750,7 +1750,7 @@
             <a:fld id="{1D8BD707-D9CF-40AE-B4C6-C98DA3205C09}" type="datetimeFigureOut">
               <a:rPr lang="en-US" smtClean="0"/>
               <a:pPr/>
-              <a:t>8/12/2014</a:t>
+              <a:t>2/27/2022</a:t>
             </a:fld>
             <a:endParaRPr lang="en-US"/>
           </a:p>
@@ -1865,7 +1865,7 @@
             <a:fld id="{1D8BD707-D9CF-40AE-B4C6-C98DA3205C09}" type="datetimeFigureOut">
               <a:rPr lang="en-US" smtClean="0"/>
               <a:pPr/>
-              <a:t>8/12/2014</a:t>
+              <a:t>2/27/2022</a:t>
             </a:fld>
             <a:endParaRPr lang="en-US"/>
           </a:p>
@@ -1957,7 +1957,7 @@
             <a:fld id="{1D8BD707-D9CF-40AE-B4C6-C98DA3205C09}" type="datetimeFigureOut">
               <a:rPr lang="en-US" smtClean="0"/>
               <a:pPr/>
-              <a:t>8/12/2014</a:t>
+              <a:t>2/27/2022</a:t>
             </a:fld>
             <a:endParaRPr lang="en-US"/>
           </a:p>
@@ -2231,7 +2231,7 @@
             <a:fld id="{1D8BD707-D9CF-40AE-B4C6-C98DA3205C09}" type="datetimeFigureOut">
               <a:rPr lang="en-US" smtClean="0"/>
               <a:pPr/>
-              <a:t>8/12/2014</a:t>
+              <a:t>2/27/2022</a:t>
             </a:fld>
             <a:endParaRPr lang="en-US"/>
           </a:p>
@@ -2481,7 +2481,7 @@
             <a:fld id="{1D8BD707-D9CF-40AE-B4C6-C98DA3205C09}" type="datetimeFigureOut">
               <a:rPr lang="en-US" smtClean="0"/>
               <a:pPr/>
-              <a:t>8/12/2014</a:t>
+              <a:t>2/27/2022</a:t>
             </a:fld>
             <a:endParaRPr lang="en-US"/>
           </a:p>
@@ -2691,7 +2691,7 @@
             <a:fld id="{1D8BD707-D9CF-40AE-B4C6-C98DA3205C09}" type="datetimeFigureOut">
               <a:rPr lang="en-US" smtClean="0"/>
               <a:pPr/>
-              <a:t>8/12/2014</a:t>
+              <a:t>2/27/2022</a:t>
             </a:fld>
             <a:endParaRPr lang="en-US"/>
           </a:p>
@@ -4253,6 +4253,253 @@
           </a:p>
         </p:txBody>
       </p:sp>
+      <p:sp>
+        <p:nvSpPr>
+          <p:cNvPr id="2" name="TextBox 1"/>
+          <p:cNvSpPr txBox="1"/>
+          <p:nvPr/>
+        </p:nvSpPr>
+        <p:spPr>
+          <a:xfrm>
+            <a:off x="304800" y="457200"/>
+            <a:ext cx="6400800" cy="4724400"/>
+          </a:xfrm>
+          <a:prstGeom prst="rect">
+            <a:avLst/>
+          </a:prstGeom>
+        </p:spPr>
+        <p:style>
+          <a:lnRef idx="1">
+            <a:schemeClr val="dk1"/>
+          </a:lnRef>
+          <a:fillRef idx="2">
+            <a:schemeClr val="dk1"/>
+          </a:fillRef>
+          <a:effectRef idx="1">
+            <a:schemeClr val="dk1"/>
+          </a:effectRef>
+          <a:fontRef idx="minor">
+            <a:schemeClr val="dk1"/>
+          </a:fontRef>
+        </p:style>
+        <p:txBody>
+          <a:bodyPr wrap="none" rtlCol="0">
+            <a:noAutofit/>
+          </a:bodyPr>
+          <a:lstStyle/>
+          <a:p>
+            <a:r>
+              <a:rPr lang="en-SG" sz="1200" b="1" dirty="0" err="1" smtClean="0"/>
+              <a:t>YourControlTestWindow</a:t>
+            </a:r>
+            <a:r>
+              <a:rPr lang="en-SG" sz="1200" b="1" dirty="0" smtClean="0"/>
+              <a:t>: </a:t>
+            </a:r>
+            <a:r>
+              <a:rPr lang="en-SG" sz="1200" b="1" dirty="0" err="1" smtClean="0"/>
+              <a:t>TestbenchWindow</a:t>
+            </a:r>
+            <a:endParaRPr lang="en-SG" sz="1200" b="1" dirty="0" smtClean="0"/>
+          </a:p>
+          <a:p>
+            <a:endParaRPr lang="en-SG" sz="1200" dirty="0"/>
+          </a:p>
+        </p:txBody>
+      </p:sp>
+      <p:sp>
+        <p:nvSpPr>
+          <p:cNvPr id="4" name="TextBox 3"/>
+          <p:cNvSpPr txBox="1"/>
+          <p:nvPr/>
+        </p:nvSpPr>
+        <p:spPr>
+          <a:xfrm>
+            <a:off x="457200" y="762000"/>
+            <a:ext cx="6400800" cy="4724400"/>
+          </a:xfrm>
+          <a:prstGeom prst="rect">
+            <a:avLst/>
+          </a:prstGeom>
+        </p:spPr>
+        <p:style>
+          <a:lnRef idx="1">
+            <a:schemeClr val="dk1"/>
+          </a:lnRef>
+          <a:fillRef idx="2">
+            <a:schemeClr val="dk1"/>
+          </a:fillRef>
+          <a:effectRef idx="1">
+            <a:schemeClr val="dk1"/>
+          </a:effectRef>
+          <a:fontRef idx="minor">
+            <a:schemeClr val="dk1"/>
+          </a:fontRef>
+        </p:style>
+        <p:txBody>
+          <a:bodyPr wrap="none" rtlCol="0">
+            <a:noAutofit/>
+          </a:bodyPr>
+          <a:lstStyle/>
+          <a:p>
+            <a:r>
+              <a:rPr lang="en-SG" sz="1200" b="1" dirty="0" err="1" smtClean="0"/>
+              <a:t>Testbench</a:t>
+            </a:r>
+            <a:endParaRPr lang="en-SG" sz="1200" b="1" dirty="0" smtClean="0"/>
+          </a:p>
+          <a:p>
+            <a:r>
+              <a:rPr lang="en-SG" sz="1200" dirty="0" smtClean="0"/>
+              <a:t>  </a:t>
+            </a:r>
+            <a:r>
+              <a:rPr lang="en-SG" sz="1200" dirty="0" err="1" smtClean="0"/>
+              <a:t>TestProperties</a:t>
+            </a:r>
+            <a:endParaRPr lang="en-SG" sz="1200" dirty="0" smtClean="0"/>
+          </a:p>
+          <a:p>
+            <a:r>
+              <a:rPr lang="en-SG" sz="1200" dirty="0" smtClean="0"/>
+              <a:t>  </a:t>
+            </a:r>
+            <a:r>
+              <a:rPr lang="en-SG" sz="1200" dirty="0" err="1" smtClean="0"/>
+              <a:t>standardPropertyViewer</a:t>
+            </a:r>
+            <a:endParaRPr lang="en-SG" sz="1200" dirty="0" smtClean="0"/>
+          </a:p>
+          <a:p>
+            <a:r>
+              <a:rPr lang="en-SG" sz="1200" dirty="0"/>
+              <a:t> </a:t>
+            </a:r>
+            <a:r>
+              <a:rPr lang="en-SG" sz="1200" dirty="0" smtClean="0"/>
+              <a:t> </a:t>
+            </a:r>
+            <a:r>
+              <a:rPr lang="en-SG" sz="1200" dirty="0" err="1"/>
+              <a:t>testControlContainer</a:t>
+            </a:r>
+            <a:endParaRPr lang="en-SG" sz="1200" dirty="0" smtClean="0"/>
+          </a:p>
+          <a:p>
+            <a:r>
+              <a:rPr lang="en-SG" sz="1200" dirty="0" smtClean="0"/>
+              <a:t>    </a:t>
+            </a:r>
+            <a:r>
+              <a:rPr lang="en-SG" sz="1200" dirty="0" err="1" smtClean="0"/>
+              <a:t>TestControl</a:t>
+            </a:r>
+            <a:endParaRPr lang="en-SG" sz="1200" dirty="0"/>
+          </a:p>
+          <a:p>
+            <a:endParaRPr lang="en-SG" sz="1200" dirty="0" smtClean="0"/>
+          </a:p>
+          <a:p>
+            <a:r>
+              <a:rPr lang="en-SG" sz="1200" dirty="0" smtClean="0"/>
+              <a:t> </a:t>
+            </a:r>
+            <a:endParaRPr lang="en-SG" sz="1200" dirty="0"/>
+          </a:p>
+          <a:p>
+            <a:endParaRPr lang="en-SG" sz="1200" dirty="0"/>
+          </a:p>
+        </p:txBody>
+      </p:sp>
+      <p:sp>
+        <p:nvSpPr>
+          <p:cNvPr id="5" name="Rectangle 1"/>
+          <p:cNvSpPr>
+            <a:spLocks noChangeArrowheads="1"/>
+          </p:cNvSpPr>
+          <p:nvPr/>
+        </p:nvSpPr>
+        <p:spPr bwMode="auto">
+          <a:xfrm>
+            <a:off x="1638300" y="3284538"/>
+            <a:ext cx="9144000" cy="457200"/>
+          </a:xfrm>
+          <a:prstGeom prst="rect">
+            <a:avLst/>
+          </a:prstGeom>
+          <a:noFill/>
+          <a:ln>
+            <a:noFill/>
+          </a:ln>
+          <a:effectLst/>
+          <a:extLst>
+            <a:ext uri="{909E8E84-426E-40DD-AFC4-6F175D3DCCD1}">
+              <a14:hiddenFill xmlns:a14="http://schemas.microsoft.com/office/drawing/2010/main">
+                <a:solidFill>
+                  <a:schemeClr val="accent1"/>
+                </a:solidFill>
+              </a14:hiddenFill>
+            </a:ext>
+            <a:ext uri="{91240B29-F687-4F45-9708-019B960494DF}">
+              <a14:hiddenLine xmlns:a14="http://schemas.microsoft.com/office/drawing/2010/main" w="9525">
+                <a:solidFill>
+                  <a:schemeClr val="tx1"/>
+                </a:solidFill>
+                <a:miter lim="800000"/>
+                <a:headEnd/>
+                <a:tailEnd/>
+              </a14:hiddenLine>
+            </a:ext>
+            <a:ext uri="{AF507438-7753-43E0-B8FC-AC1667EBCBE1}">
+              <a14:hiddenEffects xmlns:a14="http://schemas.microsoft.com/office/drawing/2010/main">
+                <a:effectLst>
+                  <a:outerShdw dist="35921" dir="2700000" algn="ctr" rotWithShape="0">
+                    <a:schemeClr val="bg2"/>
+                  </a:outerShdw>
+                </a:effectLst>
+              </a14:hiddenEffects>
+            </a:ext>
+          </a:extLst>
+        </p:spPr>
+        <p:txBody>
+          <a:bodyPr vert="horz" wrap="none" lIns="91440" tIns="45720" rIns="91440" bIns="45720" numCol="1" anchor="ctr" anchorCtr="0" compatLnSpc="1">
+            <a:prstTxWarp prst="textNoShape">
+              <a:avLst/>
+            </a:prstTxWarp>
+            <a:spAutoFit/>
+          </a:bodyPr>
+          <a:lstStyle/>
+          <a:p>
+            <a:pPr marL="0" marR="0" lvl="0" indent="0" algn="l" defTabSz="914400" rtl="0" eaLnBrk="1" fontAlgn="base" latinLnBrk="0" hangingPunct="1">
+              <a:lnSpc>
+                <a:spcPct val="100000"/>
+              </a:lnSpc>
+              <a:spcBef>
+                <a:spcPct val="0"/>
+              </a:spcBef>
+              <a:spcAft>
+                <a:spcPct val="0"/>
+              </a:spcAft>
+              <a:buClrTx/>
+              <a:buSzTx/>
+              <a:buFontTx/>
+              <a:buNone/>
+              <a:tabLst/>
+            </a:pPr>
+            <a:endParaRPr kumimoji="0" lang="en-US" altLang="en-US" sz="1800" b="0" i="0" u="none" strike="noStrike" cap="none" normalizeH="0" baseline="0" smtClean="0">
+              <a:ln>
+                <a:noFill/>
+              </a:ln>
+              <a:solidFill>
+                <a:schemeClr val="tx1"/>
+              </a:solidFill>
+              <a:effectLst/>
+              <a:latin typeface="Arial" pitchFamily="34" charset="0"/>
+              <a:cs typeface="Arial" pitchFamily="34" charset="0"/>
+            </a:endParaRPr>
+          </a:p>
+        </p:txBody>
+      </p:sp>
     </p:spTree>
     <p:extLst>
       <p:ext uri="{BB962C8B-B14F-4D97-AF65-F5344CB8AC3E}">

--- a/WpfControlTestbench.pptx
+++ b/WpfControlTestbench.pptx
@@ -6,9 +6,7 @@
   </p:sldMasterIdLst>
   <p:sldIdLst>
     <p:sldId id="257" r:id="rId2"/>
-    <p:sldId id="256" r:id="rId3"/>
-    <p:sldId id="258" r:id="rId4"/>
-    <p:sldId id="259" r:id="rId5"/>
+    <p:sldId id="258" r:id="rId3"/>
   </p:sldIdLst>
   <p:sldSz cx="9144000" cy="6858000" type="screen4x3"/>
   <p:notesSz cx="6858000" cy="9144000"/>
@@ -292,7 +290,7 @@
             <a:fld id="{1D8BD707-D9CF-40AE-B4C6-C98DA3205C09}" type="datetimeFigureOut">
               <a:rPr lang="en-US" smtClean="0"/>
               <a:pPr/>
-              <a:t>2/27/2022</a:t>
+              <a:t>3/20/2022</a:t>
             </a:fld>
             <a:endParaRPr lang="en-US"/>
           </a:p>
@@ -459,7 +457,7 @@
             <a:fld id="{1D8BD707-D9CF-40AE-B4C6-C98DA3205C09}" type="datetimeFigureOut">
               <a:rPr lang="en-US" smtClean="0"/>
               <a:pPr/>
-              <a:t>2/27/2022</a:t>
+              <a:t>3/20/2022</a:t>
             </a:fld>
             <a:endParaRPr lang="en-US"/>
           </a:p>
@@ -636,7 +634,7 @@
             <a:fld id="{1D8BD707-D9CF-40AE-B4C6-C98DA3205C09}" type="datetimeFigureOut">
               <a:rPr lang="en-US" smtClean="0"/>
               <a:pPr/>
-              <a:t>2/27/2022</a:t>
+              <a:t>3/20/2022</a:t>
             </a:fld>
             <a:endParaRPr lang="en-US"/>
           </a:p>
@@ -803,7 +801,7 @@
             <a:fld id="{1D8BD707-D9CF-40AE-B4C6-C98DA3205C09}" type="datetimeFigureOut">
               <a:rPr lang="en-US" smtClean="0"/>
               <a:pPr/>
-              <a:t>2/27/2022</a:t>
+              <a:t>3/20/2022</a:t>
             </a:fld>
             <a:endParaRPr lang="en-US"/>
           </a:p>
@@ -1046,7 +1044,7 @@
             <a:fld id="{1D8BD707-D9CF-40AE-B4C6-C98DA3205C09}" type="datetimeFigureOut">
               <a:rPr lang="en-US" smtClean="0"/>
               <a:pPr/>
-              <a:t>2/27/2022</a:t>
+              <a:t>3/20/2022</a:t>
             </a:fld>
             <a:endParaRPr lang="en-US"/>
           </a:p>
@@ -1331,7 +1329,7 @@
             <a:fld id="{1D8BD707-D9CF-40AE-B4C6-C98DA3205C09}" type="datetimeFigureOut">
               <a:rPr lang="en-US" smtClean="0"/>
               <a:pPr/>
-              <a:t>2/27/2022</a:t>
+              <a:t>3/20/2022</a:t>
             </a:fld>
             <a:endParaRPr lang="en-US"/>
           </a:p>
@@ -1750,7 +1748,7 @@
             <a:fld id="{1D8BD707-D9CF-40AE-B4C6-C98DA3205C09}" type="datetimeFigureOut">
               <a:rPr lang="en-US" smtClean="0"/>
               <a:pPr/>
-              <a:t>2/27/2022</a:t>
+              <a:t>3/20/2022</a:t>
             </a:fld>
             <a:endParaRPr lang="en-US"/>
           </a:p>
@@ -1865,7 +1863,7 @@
             <a:fld id="{1D8BD707-D9CF-40AE-B4C6-C98DA3205C09}" type="datetimeFigureOut">
               <a:rPr lang="en-US" smtClean="0"/>
               <a:pPr/>
-              <a:t>2/27/2022</a:t>
+              <a:t>3/20/2022</a:t>
             </a:fld>
             <a:endParaRPr lang="en-US"/>
           </a:p>
@@ -1957,7 +1955,7 @@
             <a:fld id="{1D8BD707-D9CF-40AE-B4C6-C98DA3205C09}" type="datetimeFigureOut">
               <a:rPr lang="en-US" smtClean="0"/>
               <a:pPr/>
-              <a:t>2/27/2022</a:t>
+              <a:t>3/20/2022</a:t>
             </a:fld>
             <a:endParaRPr lang="en-US"/>
           </a:p>
@@ -2231,7 +2229,7 @@
             <a:fld id="{1D8BD707-D9CF-40AE-B4C6-C98DA3205C09}" type="datetimeFigureOut">
               <a:rPr lang="en-US" smtClean="0"/>
               <a:pPr/>
-              <a:t>2/27/2022</a:t>
+              <a:t>3/20/2022</a:t>
             </a:fld>
             <a:endParaRPr lang="en-US"/>
           </a:p>
@@ -2481,7 +2479,7 @@
             <a:fld id="{1D8BD707-D9CF-40AE-B4C6-C98DA3205C09}" type="datetimeFigureOut">
               <a:rPr lang="en-US" smtClean="0"/>
               <a:pPr/>
-              <a:t>2/27/2022</a:t>
+              <a:t>3/20/2022</a:t>
             </a:fld>
             <a:endParaRPr lang="en-US"/>
           </a:p>
@@ -2691,7 +2689,7 @@
             <a:fld id="{1D8BD707-D9CF-40AE-B4C6-C98DA3205C09}" type="datetimeFigureOut">
               <a:rPr lang="en-US" smtClean="0"/>
               <a:pPr/>
-              <a:t>2/27/2022</a:t>
+              <a:t>3/20/2022</a:t>
             </a:fld>
             <a:endParaRPr lang="en-US"/>
           </a:p>
@@ -3155,7 +3153,7 @@
       </p:grpSpPr>
       <p:pic>
         <p:nvPicPr>
-          <p:cNvPr id="1026" name="Picture 2"/>
+          <p:cNvPr id="3074" name="Picture 2"/>
           <p:cNvPicPr>
             <a:picLocks noChangeAspect="1" noChangeArrowheads="1"/>
           </p:cNvPicPr>
@@ -3176,8 +3174,8 @@
         </p:blipFill>
         <p:spPr bwMode="auto">
           <a:xfrm>
-            <a:off x="1676400" y="1447800"/>
-            <a:ext cx="3767138" cy="2647950"/>
+            <a:off x="2686050" y="1695450"/>
+            <a:ext cx="3771900" cy="3467100"/>
           </a:xfrm>
           <a:prstGeom prst="rect">
             <a:avLst/>
@@ -3209,204 +3207,14 @@
       </p:pic>
       <p:sp>
         <p:nvSpPr>
-          <p:cNvPr id="4" name="Rectangle 3"/>
-          <p:cNvSpPr/>
-          <p:nvPr/>
-        </p:nvSpPr>
-        <p:spPr>
-          <a:xfrm>
-            <a:off x="1752600" y="2286000"/>
-            <a:ext cx="1752600" cy="1752600"/>
-          </a:xfrm>
-          <a:prstGeom prst="rect">
-            <a:avLst/>
-          </a:prstGeom>
-          <a:solidFill>
-            <a:srgbClr val="4F81BD">
-              <a:alpha val="41176"/>
-            </a:srgbClr>
-          </a:solidFill>
-        </p:spPr>
-        <p:style>
-          <a:lnRef idx="2">
-            <a:schemeClr val="accent1">
-              <a:shade val="50000"/>
-            </a:schemeClr>
-          </a:lnRef>
-          <a:fillRef idx="1">
-            <a:schemeClr val="accent1"/>
-          </a:fillRef>
-          <a:effectRef idx="0">
-            <a:schemeClr val="accent1"/>
-          </a:effectRef>
-          <a:fontRef idx="minor">
-            <a:schemeClr val="lt1"/>
-          </a:fontRef>
-        </p:style>
-        <p:txBody>
-          <a:bodyPr rtlCol="0" anchor="ctr"/>
-          <a:lstStyle/>
-          <a:p>
-            <a:pPr algn="ctr"/>
-            <a:endParaRPr lang="en-SG"/>
-          </a:p>
-        </p:txBody>
-      </p:sp>
-      <p:sp>
-        <p:nvSpPr>
-          <p:cNvPr id="5" name="Rectangle 4"/>
-          <p:cNvSpPr/>
-          <p:nvPr/>
-        </p:nvSpPr>
-        <p:spPr>
-          <a:xfrm>
-            <a:off x="3609970" y="2286000"/>
-            <a:ext cx="1752600" cy="1752600"/>
-          </a:xfrm>
-          <a:prstGeom prst="rect">
-            <a:avLst/>
-          </a:prstGeom>
-          <a:solidFill>
-            <a:srgbClr val="9BBB59">
-              <a:alpha val="40000"/>
-            </a:srgbClr>
-          </a:solidFill>
-        </p:spPr>
-        <p:style>
-          <a:lnRef idx="2">
-            <a:schemeClr val="accent3">
-              <a:shade val="50000"/>
-            </a:schemeClr>
-          </a:lnRef>
-          <a:fillRef idx="1">
-            <a:schemeClr val="accent3"/>
-          </a:fillRef>
-          <a:effectRef idx="0">
-            <a:schemeClr val="accent3"/>
-          </a:effectRef>
-          <a:fontRef idx="minor">
-            <a:schemeClr val="lt1"/>
-          </a:fontRef>
-        </p:style>
-        <p:txBody>
-          <a:bodyPr rtlCol="0" anchor="ctr"/>
-          <a:lstStyle/>
-          <a:p>
-            <a:pPr algn="ctr"/>
-            <a:endParaRPr lang="en-SG"/>
-          </a:p>
-        </p:txBody>
-      </p:sp>
-      <p:sp>
-        <p:nvSpPr>
-          <p:cNvPr id="6" name="Rectangle 5"/>
-          <p:cNvSpPr/>
-          <p:nvPr/>
-        </p:nvSpPr>
-        <p:spPr>
-          <a:xfrm>
-            <a:off x="1719262" y="1752600"/>
-            <a:ext cx="3690938" cy="457200"/>
-          </a:xfrm>
-          <a:prstGeom prst="rect">
-            <a:avLst/>
-          </a:prstGeom>
-          <a:solidFill>
-            <a:srgbClr val="FFC000">
-              <a:alpha val="47059"/>
-            </a:srgbClr>
-          </a:solidFill>
-          <a:ln>
-            <a:solidFill>
-              <a:srgbClr val="FFC000"/>
-            </a:solidFill>
-          </a:ln>
-        </p:spPr>
-        <p:style>
-          <a:lnRef idx="2">
-            <a:schemeClr val="accent1">
-              <a:shade val="50000"/>
-            </a:schemeClr>
-          </a:lnRef>
-          <a:fillRef idx="1">
-            <a:schemeClr val="accent1"/>
-          </a:fillRef>
-          <a:effectRef idx="0">
-            <a:schemeClr val="accent1"/>
-          </a:effectRef>
-          <a:fontRef idx="minor">
-            <a:schemeClr val="lt1"/>
-          </a:fontRef>
-        </p:style>
-        <p:txBody>
-          <a:bodyPr rtlCol="0" anchor="ctr"/>
-          <a:lstStyle/>
-          <a:p>
-            <a:pPr algn="ctr"/>
-            <a:endParaRPr lang="en-SG" dirty="0"/>
-          </a:p>
-        </p:txBody>
-      </p:sp>
-      <p:sp>
-        <p:nvSpPr>
-          <p:cNvPr id="7" name="Rectangle 6"/>
-          <p:cNvSpPr/>
-          <p:nvPr/>
-        </p:nvSpPr>
-        <p:spPr>
-          <a:xfrm>
-            <a:off x="1719262" y="1600200"/>
-            <a:ext cx="3690938" cy="152400"/>
-          </a:xfrm>
-          <a:prstGeom prst="rect">
-            <a:avLst/>
-          </a:prstGeom>
-          <a:solidFill>
-            <a:srgbClr val="FFFF00">
-              <a:alpha val="41961"/>
-            </a:srgbClr>
-          </a:solidFill>
-          <a:ln>
-            <a:solidFill>
-              <a:srgbClr val="FFFF00"/>
-            </a:solidFill>
-          </a:ln>
-        </p:spPr>
-        <p:style>
-          <a:lnRef idx="2">
-            <a:schemeClr val="accent1">
-              <a:shade val="50000"/>
-            </a:schemeClr>
-          </a:lnRef>
-          <a:fillRef idx="1">
-            <a:schemeClr val="accent1"/>
-          </a:fillRef>
-          <a:effectRef idx="0">
-            <a:schemeClr val="accent1"/>
-          </a:effectRef>
-          <a:fontRef idx="minor">
-            <a:schemeClr val="lt1"/>
-          </a:fontRef>
-        </p:style>
-        <p:txBody>
-          <a:bodyPr rtlCol="0" anchor="ctr"/>
-          <a:lstStyle/>
-          <a:p>
-            <a:pPr algn="ctr"/>
-            <a:endParaRPr lang="en-SG"/>
-          </a:p>
-        </p:txBody>
-      </p:sp>
-      <p:sp>
-        <p:nvSpPr>
-          <p:cNvPr id="8" name="TextBox 7"/>
+          <p:cNvPr id="4" name="TextBox 3"/>
           <p:cNvSpPr txBox="1"/>
           <p:nvPr/>
         </p:nvSpPr>
         <p:spPr>
           <a:xfrm>
-            <a:off x="4471982" y="1796534"/>
-            <a:ext cx="700833" cy="430887"/>
+            <a:off x="6096000" y="2019300"/>
+            <a:ext cx="1109599" cy="261610"/>
           </a:xfrm>
           <a:prstGeom prst="rect">
             <a:avLst/>
@@ -3421,13 +3229,7 @@
           <a:p>
             <a:r>
               <a:rPr lang="en-US" sz="1100" dirty="0" smtClean="0"/>
-              <a:t>Standard</a:t>
-            </a:r>
-          </a:p>
-          <a:p>
-            <a:r>
-              <a:rPr lang="en-US" sz="1100" dirty="0" smtClean="0"/>
-              <a:t>Property</a:t>
+              <a:t>Top Margin Line</a:t>
             </a:r>
             <a:endParaRPr lang="en-SG" sz="1100" dirty="0"/>
           </a:p>
@@ -3435,14 +3237,14 @@
       </p:sp>
       <p:sp>
         <p:nvSpPr>
-          <p:cNvPr id="10" name="TextBox 9"/>
+          <p:cNvPr id="6" name="TextBox 5"/>
           <p:cNvSpPr txBox="1"/>
           <p:nvPr/>
         </p:nvSpPr>
         <p:spPr>
           <a:xfrm>
-            <a:off x="4038600" y="1538289"/>
-            <a:ext cx="1152880" cy="261610"/>
+            <a:off x="6086474" y="2252990"/>
+            <a:ext cx="1410964" cy="261610"/>
           </a:xfrm>
           <a:prstGeom prst="rect">
             <a:avLst/>
@@ -3457,218 +3259,11 @@
           <a:p>
             <a:r>
               <a:rPr lang="en-US" sz="1100" dirty="0" smtClean="0"/>
-              <a:t>Custom Property</a:t>
-            </a:r>
-            <a:endParaRPr lang="en-SG" sz="1100" dirty="0"/>
-          </a:p>
-        </p:txBody>
-      </p:sp>
-      <p:sp>
-        <p:nvSpPr>
-          <p:cNvPr id="11" name="TextBox 10"/>
-          <p:cNvSpPr txBox="1"/>
-          <p:nvPr/>
-        </p:nvSpPr>
-        <p:spPr>
-          <a:xfrm>
-            <a:off x="2057400" y="2725579"/>
-            <a:ext cx="1000595" cy="246221"/>
-          </a:xfrm>
-          <a:prstGeom prst="rect">
-            <a:avLst/>
-          </a:prstGeom>
-          <a:noFill/>
-        </p:spPr>
-        <p:txBody>
-          <a:bodyPr wrap="none" rtlCol="0">
-            <a:spAutoFit/>
-          </a:bodyPr>
-          <a:lstStyle/>
-          <a:p>
-            <a:r>
-              <a:rPr lang="en-US" sz="1000" dirty="0" smtClean="0"/>
-              <a:t>Custom Control</a:t>
-            </a:r>
-            <a:endParaRPr lang="en-SG" sz="1000" dirty="0"/>
-          </a:p>
-        </p:txBody>
-      </p:sp>
-      <p:sp>
-        <p:nvSpPr>
-          <p:cNvPr id="12" name="TextBox 11"/>
-          <p:cNvSpPr txBox="1"/>
-          <p:nvPr/>
-        </p:nvSpPr>
-        <p:spPr>
-          <a:xfrm>
-            <a:off x="4176596" y="2743200"/>
-            <a:ext cx="500458" cy="261610"/>
-          </a:xfrm>
-          <a:prstGeom prst="rect">
-            <a:avLst/>
-          </a:prstGeom>
-          <a:noFill/>
-        </p:spPr>
-        <p:txBody>
-          <a:bodyPr wrap="none" rtlCol="0">
-            <a:spAutoFit/>
-          </a:bodyPr>
-          <a:lstStyle/>
-          <a:p>
+              <a:t>Border </a:t>
+            </a:r>
             <a:r>
               <a:rPr lang="en-US" sz="1100" dirty="0" smtClean="0"/>
-              <a:t>Trace</a:t>
-            </a:r>
-            <a:endParaRPr lang="en-SG" sz="1000" dirty="0"/>
-          </a:p>
-        </p:txBody>
-      </p:sp>
-    </p:spTree>
-    <p:extLst>
-      <p:ext uri="{BB962C8B-B14F-4D97-AF65-F5344CB8AC3E}">
-        <p14:creationId xmlns:p14="http://schemas.microsoft.com/office/powerpoint/2010/main" val="3253359108"/>
-      </p:ext>
-    </p:extLst>
-  </p:cSld>
-  <p:clrMapOvr>
-    <a:masterClrMapping/>
-  </p:clrMapOvr>
-  <p:timing>
-    <p:tnLst>
-      <p:par>
-        <p:cTn id="1" dur="indefinite" restart="never" nodeType="tmRoot"/>
-      </p:par>
-    </p:tnLst>
-  </p:timing>
-</p:sld>
-</file>
-
-<file path=ppt/slides/slide3.xml><?xml version="1.0" encoding="utf-8"?>
-<p:sld xmlns:a="http://schemas.openxmlformats.org/drawingml/2006/main" xmlns:r="http://schemas.openxmlformats.org/officeDocument/2006/relationships" xmlns:p="http://schemas.openxmlformats.org/presentationml/2006/main">
-  <p:cSld>
-    <p:spTree>
-      <p:nvGrpSpPr>
-        <p:cNvPr id="1" name=""/>
-        <p:cNvGrpSpPr/>
-        <p:nvPr/>
-      </p:nvGrpSpPr>
-      <p:grpSpPr>
-        <a:xfrm>
-          <a:off x="0" y="0"/>
-          <a:ext cx="0" cy="0"/>
-          <a:chOff x="0" y="0"/>
-          <a:chExt cx="0" cy="0"/>
-        </a:xfrm>
-      </p:grpSpPr>
-      <p:pic>
-        <p:nvPicPr>
-          <p:cNvPr id="3074" name="Picture 2"/>
-          <p:cNvPicPr>
-            <a:picLocks noChangeAspect="1" noChangeArrowheads="1"/>
-          </p:cNvPicPr>
-          <p:nvPr/>
-        </p:nvPicPr>
-        <p:blipFill>
-          <a:blip r:embed="rId2">
-            <a:extLst>
-              <a:ext uri="{28A0092B-C50C-407E-A947-70E740481C1C}">
-                <a14:useLocalDpi xmlns:a14="http://schemas.microsoft.com/office/drawing/2010/main" val="0"/>
-              </a:ext>
-            </a:extLst>
-          </a:blip>
-          <a:srcRect/>
-          <a:stretch>
-            <a:fillRect/>
-          </a:stretch>
-        </p:blipFill>
-        <p:spPr bwMode="auto">
-          <a:xfrm>
-            <a:off x="2686050" y="1695450"/>
-            <a:ext cx="3771900" cy="3467100"/>
-          </a:xfrm>
-          <a:prstGeom prst="rect">
-            <a:avLst/>
-          </a:prstGeom>
-          <a:noFill/>
-          <a:ln>
-            <a:noFill/>
-          </a:ln>
-          <a:extLst>
-            <a:ext uri="{909E8E84-426E-40DD-AFC4-6F175D3DCCD1}">
-              <a14:hiddenFill xmlns:a14="http://schemas.microsoft.com/office/drawing/2010/main">
-                <a:solidFill>
-                  <a:schemeClr val="accent1"/>
-                </a:solidFill>
-              </a14:hiddenFill>
-            </a:ext>
-            <a:ext uri="{91240B29-F687-4F45-9708-019B960494DF}">
-              <a14:hiddenLine xmlns:a14="http://schemas.microsoft.com/office/drawing/2010/main" w="9525">
-                <a:solidFill>
-                  <a:schemeClr val="tx1"/>
-                </a:solidFill>
-                <a:miter lim="800000"/>
-                <a:headEnd/>
-                <a:tailEnd/>
-              </a14:hiddenLine>
-            </a:ext>
-          </a:extLst>
-        </p:spPr>
-      </p:pic>
-      <p:sp>
-        <p:nvSpPr>
-          <p:cNvPr id="4" name="TextBox 3"/>
-          <p:cNvSpPr txBox="1"/>
-          <p:nvPr/>
-        </p:nvSpPr>
-        <p:spPr>
-          <a:xfrm>
-            <a:off x="6096000" y="2019300"/>
-            <a:ext cx="1109599" cy="261610"/>
-          </a:xfrm>
-          <a:prstGeom prst="rect">
-            <a:avLst/>
-          </a:prstGeom>
-          <a:noFill/>
-        </p:spPr>
-        <p:txBody>
-          <a:bodyPr wrap="none" rtlCol="0">
-            <a:spAutoFit/>
-          </a:bodyPr>
-          <a:lstStyle/>
-          <a:p>
-            <a:r>
-              <a:rPr lang="en-US" sz="1100" dirty="0" smtClean="0"/>
-              <a:t>Top Margin Line</a:t>
-            </a:r>
-            <a:endParaRPr lang="en-SG" sz="1100" dirty="0"/>
-          </a:p>
-        </p:txBody>
-      </p:sp>
-      <p:sp>
-        <p:nvSpPr>
-          <p:cNvPr id="6" name="TextBox 5"/>
-          <p:cNvSpPr txBox="1"/>
-          <p:nvPr/>
-        </p:nvSpPr>
-        <p:spPr>
-          <a:xfrm>
-            <a:off x="6086474" y="2252990"/>
-            <a:ext cx="1162498" cy="261610"/>
-          </a:xfrm>
-          <a:prstGeom prst="rect">
-            <a:avLst/>
-          </a:prstGeom>
-          <a:noFill/>
-        </p:spPr>
-        <p:txBody>
-          <a:bodyPr wrap="none" rtlCol="0">
-            <a:spAutoFit/>
-          </a:bodyPr>
-          <a:lstStyle/>
-          <a:p>
-            <a:r>
-              <a:rPr lang="en-US" sz="1100" dirty="0" smtClean="0"/>
-              <a:t>Border Thickness</a:t>
+              <a:t>Top Thickness</a:t>
             </a:r>
             <a:endParaRPr lang="en-SG" sz="1100" dirty="0"/>
           </a:p>
@@ -4190,320 +3785,142 @@
           </a:p>
         </p:txBody>
       </p:sp>
+      <p:sp>
+        <p:nvSpPr>
+          <p:cNvPr id="25" name="TextBox 24"/>
+          <p:cNvSpPr txBox="1"/>
+          <p:nvPr/>
+        </p:nvSpPr>
+        <p:spPr>
+          <a:xfrm>
+            <a:off x="6457502" y="1828800"/>
+            <a:ext cx="1425390" cy="261610"/>
+          </a:xfrm>
+          <a:prstGeom prst="rect">
+            <a:avLst/>
+          </a:prstGeom>
+          <a:noFill/>
+        </p:spPr>
+        <p:txBody>
+          <a:bodyPr wrap="none" rtlCol="0">
+            <a:spAutoFit/>
+          </a:bodyPr>
+          <a:lstStyle/>
+          <a:p>
+            <a:r>
+              <a:rPr lang="en-US" sz="1100" dirty="0" smtClean="0"/>
+              <a:t>Margin Top Thickness</a:t>
+            </a:r>
+            <a:endParaRPr lang="en-SG" sz="1100" dirty="0"/>
+          </a:p>
+        </p:txBody>
+      </p:sp>
+      <p:cxnSp>
+        <p:nvCxnSpPr>
+          <p:cNvPr id="26" name="Straight Connector 25"/>
+          <p:cNvCxnSpPr/>
+          <p:nvPr/>
+        </p:nvCxnSpPr>
+        <p:spPr>
+          <a:xfrm>
+            <a:off x="6009828" y="1923721"/>
+            <a:ext cx="457200" cy="0"/>
+          </a:xfrm>
+          <a:prstGeom prst="line">
+            <a:avLst/>
+          </a:prstGeom>
+          <a:ln>
+            <a:solidFill>
+              <a:schemeClr val="tx1"/>
+            </a:solidFill>
+            <a:headEnd type="triangle"/>
+          </a:ln>
+        </p:spPr>
+        <p:style>
+          <a:lnRef idx="1">
+            <a:schemeClr val="accent1"/>
+          </a:lnRef>
+          <a:fillRef idx="0">
+            <a:schemeClr val="accent1"/>
+          </a:fillRef>
+          <a:effectRef idx="0">
+            <a:schemeClr val="accent1"/>
+          </a:effectRef>
+          <a:fontRef idx="minor">
+            <a:schemeClr val="tx1"/>
+          </a:fontRef>
+        </p:style>
+      </p:cxnSp>
+      <p:sp>
+        <p:nvSpPr>
+          <p:cNvPr id="27" name="TextBox 26"/>
+          <p:cNvSpPr txBox="1"/>
+          <p:nvPr/>
+        </p:nvSpPr>
+        <p:spPr>
+          <a:xfrm>
+            <a:off x="5901242" y="2590800"/>
+            <a:ext cx="1475084" cy="261610"/>
+          </a:xfrm>
+          <a:prstGeom prst="rect">
+            <a:avLst/>
+          </a:prstGeom>
+          <a:noFill/>
+        </p:spPr>
+        <p:txBody>
+          <a:bodyPr wrap="none" rtlCol="0">
+            <a:spAutoFit/>
+          </a:bodyPr>
+          <a:lstStyle/>
+          <a:p>
+            <a:r>
+              <a:rPr lang="en-US" sz="1100" dirty="0" smtClean="0"/>
+              <a:t>Padding Top Thickness</a:t>
+            </a:r>
+            <a:endParaRPr lang="en-SG" sz="1100" dirty="0"/>
+          </a:p>
+        </p:txBody>
+      </p:sp>
+      <p:cxnSp>
+        <p:nvCxnSpPr>
+          <p:cNvPr id="28" name="Straight Connector 27"/>
+          <p:cNvCxnSpPr/>
+          <p:nvPr/>
+        </p:nvCxnSpPr>
+        <p:spPr>
+          <a:xfrm>
+            <a:off x="5453568" y="2685721"/>
+            <a:ext cx="457200" cy="0"/>
+          </a:xfrm>
+          <a:prstGeom prst="line">
+            <a:avLst/>
+          </a:prstGeom>
+          <a:ln>
+            <a:solidFill>
+              <a:schemeClr val="tx1"/>
+            </a:solidFill>
+            <a:headEnd type="triangle"/>
+          </a:ln>
+        </p:spPr>
+        <p:style>
+          <a:lnRef idx="1">
+            <a:schemeClr val="accent1"/>
+          </a:lnRef>
+          <a:fillRef idx="0">
+            <a:schemeClr val="accent1"/>
+          </a:fillRef>
+          <a:effectRef idx="0">
+            <a:schemeClr val="accent1"/>
+          </a:effectRef>
+          <a:fontRef idx="minor">
+            <a:schemeClr val="tx1"/>
+          </a:fontRef>
+        </p:style>
+      </p:cxnSp>
     </p:spTree>
     <p:extLst>
       <p:ext uri="{BB962C8B-B14F-4D97-AF65-F5344CB8AC3E}">
         <p14:creationId xmlns:p14="http://schemas.microsoft.com/office/powerpoint/2010/main" val="3870497403"/>
-      </p:ext>
-    </p:extLst>
-  </p:cSld>
-  <p:clrMapOvr>
-    <a:masterClrMapping/>
-  </p:clrMapOvr>
-  <p:timing>
-    <p:tnLst>
-      <p:par>
-        <p:cTn id="1" dur="indefinite" restart="never" nodeType="tmRoot"/>
-      </p:par>
-    </p:tnLst>
-  </p:timing>
-</p:sld>
-</file>
-
-<file path=ppt/slides/slide4.xml><?xml version="1.0" encoding="utf-8"?>
-<p:sld xmlns:a="http://schemas.openxmlformats.org/drawingml/2006/main" xmlns:r="http://schemas.openxmlformats.org/officeDocument/2006/relationships" xmlns:p="http://schemas.openxmlformats.org/presentationml/2006/main">
-  <p:cSld>
-    <p:spTree>
-      <p:nvGrpSpPr>
-        <p:cNvPr id="1" name=""/>
-        <p:cNvGrpSpPr/>
-        <p:nvPr/>
-      </p:nvGrpSpPr>
-      <p:grpSpPr>
-        <a:xfrm>
-          <a:off x="0" y="0"/>
-          <a:ext cx="0" cy="0"/>
-          <a:chOff x="0" y="0"/>
-          <a:chExt cx="0" cy="0"/>
-        </a:xfrm>
-      </p:grpSpPr>
-      <p:sp>
-        <p:nvSpPr>
-          <p:cNvPr id="6" name="TextBox 5"/>
-          <p:cNvSpPr txBox="1"/>
-          <p:nvPr/>
-        </p:nvSpPr>
-        <p:spPr>
-          <a:xfrm>
-            <a:off x="1828800" y="2286000"/>
-            <a:ext cx="5410200" cy="369332"/>
-          </a:xfrm>
-          <a:prstGeom prst="rect">
-            <a:avLst/>
-          </a:prstGeom>
-          <a:noFill/>
-        </p:spPr>
-        <p:txBody>
-          <a:bodyPr wrap="square" rtlCol="0">
-            <a:spAutoFit/>
-          </a:bodyPr>
-          <a:lstStyle/>
-          <a:p>
-            <a:endParaRPr lang="en-SG" dirty="0"/>
-          </a:p>
-        </p:txBody>
-      </p:sp>
-      <p:sp>
-        <p:nvSpPr>
-          <p:cNvPr id="2" name="TextBox 1"/>
-          <p:cNvSpPr txBox="1"/>
-          <p:nvPr/>
-        </p:nvSpPr>
-        <p:spPr>
-          <a:xfrm>
-            <a:off x="304800" y="457200"/>
-            <a:ext cx="6400800" cy="4724400"/>
-          </a:xfrm>
-          <a:prstGeom prst="rect">
-            <a:avLst/>
-          </a:prstGeom>
-        </p:spPr>
-        <p:style>
-          <a:lnRef idx="1">
-            <a:schemeClr val="dk1"/>
-          </a:lnRef>
-          <a:fillRef idx="2">
-            <a:schemeClr val="dk1"/>
-          </a:fillRef>
-          <a:effectRef idx="1">
-            <a:schemeClr val="dk1"/>
-          </a:effectRef>
-          <a:fontRef idx="minor">
-            <a:schemeClr val="dk1"/>
-          </a:fontRef>
-        </p:style>
-        <p:txBody>
-          <a:bodyPr wrap="none" rtlCol="0">
-            <a:noAutofit/>
-          </a:bodyPr>
-          <a:lstStyle/>
-          <a:p>
-            <a:r>
-              <a:rPr lang="en-SG" sz="1200" b="1" dirty="0" err="1" smtClean="0"/>
-              <a:t>YourControlTestWindow</a:t>
-            </a:r>
-            <a:r>
-              <a:rPr lang="en-SG" sz="1200" b="1" dirty="0" smtClean="0"/>
-              <a:t>: </a:t>
-            </a:r>
-            <a:r>
-              <a:rPr lang="en-SG" sz="1200" b="1" dirty="0" err="1" smtClean="0"/>
-              <a:t>TestbenchWindow</a:t>
-            </a:r>
-            <a:endParaRPr lang="en-SG" sz="1200" b="1" dirty="0" smtClean="0"/>
-          </a:p>
-          <a:p>
-            <a:endParaRPr lang="en-SG" sz="1200" dirty="0"/>
-          </a:p>
-        </p:txBody>
-      </p:sp>
-      <p:sp>
-        <p:nvSpPr>
-          <p:cNvPr id="4" name="TextBox 3"/>
-          <p:cNvSpPr txBox="1"/>
-          <p:nvPr/>
-        </p:nvSpPr>
-        <p:spPr>
-          <a:xfrm>
-            <a:off x="457200" y="762000"/>
-            <a:ext cx="6400800" cy="4724400"/>
-          </a:xfrm>
-          <a:prstGeom prst="rect">
-            <a:avLst/>
-          </a:prstGeom>
-        </p:spPr>
-        <p:style>
-          <a:lnRef idx="1">
-            <a:schemeClr val="dk1"/>
-          </a:lnRef>
-          <a:fillRef idx="2">
-            <a:schemeClr val="dk1"/>
-          </a:fillRef>
-          <a:effectRef idx="1">
-            <a:schemeClr val="dk1"/>
-          </a:effectRef>
-          <a:fontRef idx="minor">
-            <a:schemeClr val="dk1"/>
-          </a:fontRef>
-        </p:style>
-        <p:txBody>
-          <a:bodyPr wrap="none" rtlCol="0">
-            <a:noAutofit/>
-          </a:bodyPr>
-          <a:lstStyle/>
-          <a:p>
-            <a:r>
-              <a:rPr lang="en-SG" sz="1200" b="1" dirty="0" err="1" smtClean="0"/>
-              <a:t>Testbench</a:t>
-            </a:r>
-            <a:endParaRPr lang="en-SG" sz="1200" b="1" dirty="0" smtClean="0"/>
-          </a:p>
-          <a:p>
-            <a:r>
-              <a:rPr lang="en-SG" sz="1200" dirty="0" smtClean="0"/>
-              <a:t>  </a:t>
-            </a:r>
-            <a:r>
-              <a:rPr lang="en-SG" sz="1200" dirty="0" err="1" smtClean="0"/>
-              <a:t>TestProperties</a:t>
-            </a:r>
-            <a:endParaRPr lang="en-SG" sz="1200" dirty="0" smtClean="0"/>
-          </a:p>
-          <a:p>
-            <a:r>
-              <a:rPr lang="en-SG" sz="1200" dirty="0" smtClean="0"/>
-              <a:t>  </a:t>
-            </a:r>
-            <a:r>
-              <a:rPr lang="en-SG" sz="1200" dirty="0" err="1" smtClean="0"/>
-              <a:t>standardPropertyViewer</a:t>
-            </a:r>
-            <a:endParaRPr lang="en-SG" sz="1200" dirty="0" smtClean="0"/>
-          </a:p>
-          <a:p>
-            <a:r>
-              <a:rPr lang="en-SG" sz="1200" dirty="0"/>
-              <a:t> </a:t>
-            </a:r>
-            <a:r>
-              <a:rPr lang="en-SG" sz="1200" dirty="0" smtClean="0"/>
-              <a:t> </a:t>
-            </a:r>
-            <a:r>
-              <a:rPr lang="en-SG" sz="1200" dirty="0" err="1"/>
-              <a:t>testControlContainer</a:t>
-            </a:r>
-            <a:endParaRPr lang="en-SG" sz="1200" dirty="0" smtClean="0"/>
-          </a:p>
-          <a:p>
-            <a:r>
-              <a:rPr lang="en-SG" sz="1200" dirty="0" smtClean="0"/>
-              <a:t>    </a:t>
-            </a:r>
-            <a:r>
-              <a:rPr lang="en-SG" sz="1200" dirty="0" err="1" smtClean="0"/>
-              <a:t>TestControl</a:t>
-            </a:r>
-            <a:endParaRPr lang="en-SG" sz="1200" dirty="0"/>
-          </a:p>
-          <a:p>
-            <a:endParaRPr lang="en-SG" sz="1200" dirty="0" smtClean="0"/>
-          </a:p>
-          <a:p>
-            <a:r>
-              <a:rPr lang="en-SG" sz="1200" dirty="0" smtClean="0"/>
-              <a:t> </a:t>
-            </a:r>
-            <a:endParaRPr lang="en-SG" sz="1200" dirty="0"/>
-          </a:p>
-          <a:p>
-            <a:endParaRPr lang="en-SG" sz="1200" dirty="0"/>
-          </a:p>
-        </p:txBody>
-      </p:sp>
-      <p:sp>
-        <p:nvSpPr>
-          <p:cNvPr id="5" name="Rectangle 1"/>
-          <p:cNvSpPr>
-            <a:spLocks noChangeArrowheads="1"/>
-          </p:cNvSpPr>
-          <p:nvPr/>
-        </p:nvSpPr>
-        <p:spPr bwMode="auto">
-          <a:xfrm>
-            <a:off x="1638300" y="3284538"/>
-            <a:ext cx="9144000" cy="457200"/>
-          </a:xfrm>
-          <a:prstGeom prst="rect">
-            <a:avLst/>
-          </a:prstGeom>
-          <a:noFill/>
-          <a:ln>
-            <a:noFill/>
-          </a:ln>
-          <a:effectLst/>
-          <a:extLst>
-            <a:ext uri="{909E8E84-426E-40DD-AFC4-6F175D3DCCD1}">
-              <a14:hiddenFill xmlns:a14="http://schemas.microsoft.com/office/drawing/2010/main">
-                <a:solidFill>
-                  <a:schemeClr val="accent1"/>
-                </a:solidFill>
-              </a14:hiddenFill>
-            </a:ext>
-            <a:ext uri="{91240B29-F687-4F45-9708-019B960494DF}">
-              <a14:hiddenLine xmlns:a14="http://schemas.microsoft.com/office/drawing/2010/main" w="9525">
-                <a:solidFill>
-                  <a:schemeClr val="tx1"/>
-                </a:solidFill>
-                <a:miter lim="800000"/>
-                <a:headEnd/>
-                <a:tailEnd/>
-              </a14:hiddenLine>
-            </a:ext>
-            <a:ext uri="{AF507438-7753-43E0-B8FC-AC1667EBCBE1}">
-              <a14:hiddenEffects xmlns:a14="http://schemas.microsoft.com/office/drawing/2010/main">
-                <a:effectLst>
-                  <a:outerShdw dist="35921" dir="2700000" algn="ctr" rotWithShape="0">
-                    <a:schemeClr val="bg2"/>
-                  </a:outerShdw>
-                </a:effectLst>
-              </a14:hiddenEffects>
-            </a:ext>
-          </a:extLst>
-        </p:spPr>
-        <p:txBody>
-          <a:bodyPr vert="horz" wrap="none" lIns="91440" tIns="45720" rIns="91440" bIns="45720" numCol="1" anchor="ctr" anchorCtr="0" compatLnSpc="1">
-            <a:prstTxWarp prst="textNoShape">
-              <a:avLst/>
-            </a:prstTxWarp>
-            <a:spAutoFit/>
-          </a:bodyPr>
-          <a:lstStyle/>
-          <a:p>
-            <a:pPr marL="0" marR="0" lvl="0" indent="0" algn="l" defTabSz="914400" rtl="0" eaLnBrk="1" fontAlgn="base" latinLnBrk="0" hangingPunct="1">
-              <a:lnSpc>
-                <a:spcPct val="100000"/>
-              </a:lnSpc>
-              <a:spcBef>
-                <a:spcPct val="0"/>
-              </a:spcBef>
-              <a:spcAft>
-                <a:spcPct val="0"/>
-              </a:spcAft>
-              <a:buClrTx/>
-              <a:buSzTx/>
-              <a:buFontTx/>
-              <a:buNone/>
-              <a:tabLst/>
-            </a:pPr>
-            <a:endParaRPr kumimoji="0" lang="en-US" altLang="en-US" sz="1800" b="0" i="0" u="none" strike="noStrike" cap="none" normalizeH="0" baseline="0" smtClean="0">
-              <a:ln>
-                <a:noFill/>
-              </a:ln>
-              <a:solidFill>
-                <a:schemeClr val="tx1"/>
-              </a:solidFill>
-              <a:effectLst/>
-              <a:latin typeface="Arial" pitchFamily="34" charset="0"/>
-              <a:cs typeface="Arial" pitchFamily="34" charset="0"/>
-            </a:endParaRPr>
-          </a:p>
-        </p:txBody>
-      </p:sp>
-    </p:spTree>
-    <p:extLst>
-      <p:ext uri="{BB962C8B-B14F-4D97-AF65-F5344CB8AC3E}">
-        <p14:creationId xmlns:p14="http://schemas.microsoft.com/office/powerpoint/2010/main" val="1774883744"/>
       </p:ext>
     </p:extLst>
   </p:cSld>
